--- a/Materials/編集/Wireframe.pptx
+++ b/Materials/編集/Wireframe.pptx
@@ -104,6 +104,11 @@
       </a:defRPr>
     </a:lvl9pPr>
   </p:defaultTextStyle>
+  <p:extLst>
+    <p:ext uri="{EFAFB233-063F-42B5-8137-9DF3F51BA10A}">
+      <p15:sldGuideLst xmlns:p15="http://schemas.microsoft.com/office/powerpoint/2012/main"/>
+    </p:ext>
+  </p:extLst>
 </p:presentation>
 </file>
 
@@ -253,7 +258,7 @@
           <a:lstStyle/>
           <a:p>
             <a:fld id="{7EF343BC-399E-A94E-A8F9-86052817A4DB}" type="datetimeFigureOut">
-              <a:t>2025/12/14</a:t>
+              <a:t>2025/12/15</a:t>
             </a:fld>
             <a:endParaRPr kumimoji="1" lang="ja-JP" altLang="en-US"/>
           </a:p>
@@ -481,7 +486,7 @@
           <a:lstStyle/>
           <a:p>
             <a:fld id="{7EF343BC-399E-A94E-A8F9-86052817A4DB}" type="datetimeFigureOut">
-              <a:t>2025/12/14</a:t>
+              <a:t>2025/12/15</a:t>
             </a:fld>
             <a:endParaRPr kumimoji="1" lang="ja-JP" altLang="en-US"/>
           </a:p>
@@ -719,7 +724,7 @@
           <a:lstStyle/>
           <a:p>
             <a:fld id="{7EF343BC-399E-A94E-A8F9-86052817A4DB}" type="datetimeFigureOut">
-              <a:t>2025/12/14</a:t>
+              <a:t>2025/12/15</a:t>
             </a:fld>
             <a:endParaRPr kumimoji="1" lang="ja-JP" altLang="en-US"/>
           </a:p>
@@ -947,7 +952,7 @@
           <a:lstStyle/>
           <a:p>
             <a:fld id="{7EF343BC-399E-A94E-A8F9-86052817A4DB}" type="datetimeFigureOut">
-              <a:t>2025/12/14</a:t>
+              <a:t>2025/12/15</a:t>
             </a:fld>
             <a:endParaRPr kumimoji="1" lang="ja-JP" altLang="en-US"/>
           </a:p>
@@ -1220,7 +1225,7 @@
           <a:lstStyle/>
           <a:p>
             <a:fld id="{7EF343BC-399E-A94E-A8F9-86052817A4DB}" type="datetimeFigureOut">
-              <a:t>2025/12/14</a:t>
+              <a:t>2025/12/15</a:t>
             </a:fld>
             <a:endParaRPr kumimoji="1" lang="ja-JP" altLang="en-US"/>
           </a:p>
@@ -1547,7 +1552,7 @@
           <a:lstStyle/>
           <a:p>
             <a:fld id="{7EF343BC-399E-A94E-A8F9-86052817A4DB}" type="datetimeFigureOut">
-              <a:t>2025/12/14</a:t>
+              <a:t>2025/12/15</a:t>
             </a:fld>
             <a:endParaRPr kumimoji="1" lang="ja-JP" altLang="en-US"/>
           </a:p>
@@ -2021,7 +2026,7 @@
           <a:lstStyle/>
           <a:p>
             <a:fld id="{7EF343BC-399E-A94E-A8F9-86052817A4DB}" type="datetimeFigureOut">
-              <a:t>2025/12/14</a:t>
+              <a:t>2025/12/15</a:t>
             </a:fld>
             <a:endParaRPr kumimoji="1" lang="ja-JP" altLang="en-US"/>
           </a:p>
@@ -2160,7 +2165,7 @@
           <a:lstStyle/>
           <a:p>
             <a:fld id="{7EF343BC-399E-A94E-A8F9-86052817A4DB}" type="datetimeFigureOut">
-              <a:t>2025/12/14</a:t>
+              <a:t>2025/12/15</a:t>
             </a:fld>
             <a:endParaRPr kumimoji="1" lang="ja-JP" altLang="en-US"/>
           </a:p>
@@ -2271,7 +2276,7 @@
           <a:lstStyle/>
           <a:p>
             <a:fld id="{7EF343BC-399E-A94E-A8F9-86052817A4DB}" type="datetimeFigureOut">
-              <a:t>2025/12/14</a:t>
+              <a:t>2025/12/15</a:t>
             </a:fld>
             <a:endParaRPr kumimoji="1" lang="ja-JP" altLang="en-US"/>
           </a:p>
@@ -2612,7 +2617,7 @@
           <a:lstStyle/>
           <a:p>
             <a:fld id="{7EF343BC-399E-A94E-A8F9-86052817A4DB}" type="datetimeFigureOut">
-              <a:t>2025/12/14</a:t>
+              <a:t>2025/12/15</a:t>
             </a:fld>
             <a:endParaRPr kumimoji="1" lang="ja-JP" altLang="en-US"/>
           </a:p>
@@ -2898,7 +2903,7 @@
           <a:lstStyle/>
           <a:p>
             <a:fld id="{7EF343BC-399E-A94E-A8F9-86052817A4DB}" type="datetimeFigureOut">
-              <a:t>2025/12/14</a:t>
+              <a:t>2025/12/15</a:t>
             </a:fld>
             <a:endParaRPr kumimoji="1" lang="ja-JP" altLang="en-US"/>
           </a:p>
@@ -3169,7 +3174,7 @@
           </a:lstStyle>
           <a:p>
             <a:fld id="{7EF343BC-399E-A94E-A8F9-86052817A4DB}" type="datetimeFigureOut">
-              <a:t>2025/12/14</a:t>
+              <a:t>2025/12/15</a:t>
             </a:fld>
             <a:endParaRPr kumimoji="1" lang="ja-JP" altLang="en-US"/>
           </a:p>
@@ -4125,7 +4130,7 @@
               <a:t>読み込んだ画像は</a:t>
             </a:r>
             <a:r>
-              <a:rPr kumimoji="1" lang="en" altLang="ja-JP" sz="1400">
+              <a:rPr kumimoji="1" lang="en" altLang="ja-JP" sz="1400" strike="sngStrike">
                 <a:solidFill>
                   <a:schemeClr val="tx1"/>
                 </a:solidFill>
@@ -4133,28 +4138,44 @@
               <a:t>Google Cloud Vision </a:t>
             </a:r>
             <a:r>
+              <a:rPr kumimoji="1" lang="ja-JP" altLang="en-US" sz="1400" strike="sngStrike">
+                <a:solidFill>
+                  <a:schemeClr val="tx1"/>
+                </a:solidFill>
+              </a:rPr>
+              <a:t>の</a:t>
+            </a:r>
+            <a:r>
+              <a:rPr kumimoji="1" lang="en-US" altLang="ja-JP" sz="1400" strike="sngStrike">
+                <a:solidFill>
+                  <a:schemeClr val="tx1"/>
+                </a:solidFill>
+              </a:rPr>
+              <a:t>API</a:t>
+            </a:r>
+            <a:r>
+              <a:rPr kumimoji="1" lang="ja-JP" altLang="en-US" sz="1400" strike="sngStrike">
+                <a:solidFill>
+                  <a:schemeClr val="tx1"/>
+                </a:solidFill>
+              </a:rPr>
+              <a:t>によって</a:t>
+            </a:r>
+            <a:r>
+              <a:rPr kumimoji="1" lang="en-US" altLang="ja-JP" sz="1400">
+                <a:solidFill>
+                  <a:schemeClr val="tx1"/>
+                </a:solidFill>
+              </a:rPr>
+              <a:t> MediaPipe Object Detector</a:t>
+            </a:r>
+            <a:r>
               <a:rPr kumimoji="1" lang="ja-JP" altLang="en-US" sz="1400">
                 <a:solidFill>
                   <a:schemeClr val="tx1"/>
                 </a:solidFill>
               </a:rPr>
-              <a:t>の</a:t>
-            </a:r>
-            <a:r>
-              <a:rPr kumimoji="1" lang="en-US" altLang="ja-JP" sz="1400">
-                <a:solidFill>
-                  <a:schemeClr val="tx1"/>
-                </a:solidFill>
-              </a:rPr>
-              <a:t>API</a:t>
-            </a:r>
-            <a:r>
-              <a:rPr kumimoji="1" lang="ja-JP" altLang="en-US" sz="1400">
-                <a:solidFill>
-                  <a:schemeClr val="tx1"/>
-                </a:solidFill>
-              </a:rPr>
-              <a:t>によってラベル検出され、画像の名称を検出します。</a:t>
+              <a:t>にてラベル検出され、画像の名称を検出します。</a:t>
             </a:r>
           </a:p>
         </p:txBody>
@@ -4173,15 +4194,15 @@
         </p:nvSpPr>
         <p:spPr>
           <a:xfrm>
-            <a:off x="241738" y="2792701"/>
+            <a:off x="265519" y="3461634"/>
             <a:ext cx="3296013" cy="1684706"/>
           </a:xfrm>
           <a:prstGeom prst="borderCallout1">
             <a:avLst>
               <a:gd name="adj1" fmla="val 51819"/>
               <a:gd name="adj2" fmla="val 99003"/>
-              <a:gd name="adj3" fmla="val 11298"/>
-              <a:gd name="adj4" fmla="val 131921"/>
+              <a:gd name="adj3" fmla="val -32997"/>
+              <a:gd name="adj4" fmla="val 136704"/>
             </a:avLst>
           </a:prstGeom>
           <a:noFill/>
@@ -4419,36 +4440,12 @@
           </a:p>
           <a:p>
             <a:r>
-              <a:rPr lang="en" altLang="ja-JP" sz="1400">
-                <a:solidFill>
-                  <a:schemeClr val="tx1"/>
-                </a:solidFill>
-              </a:rPr>
-              <a:t>Google Cloud Vision </a:t>
-            </a:r>
-            <a:r>
               <a:rPr lang="ja-JP" altLang="en-US" sz="1400">
                 <a:solidFill>
                   <a:schemeClr val="tx1"/>
                 </a:solidFill>
               </a:rPr>
-              <a:t>の</a:t>
-            </a:r>
-            <a:r>
-              <a:rPr lang="en-US" altLang="ja-JP" sz="1400">
-                <a:solidFill>
-                  <a:schemeClr val="tx1"/>
-                </a:solidFill>
-              </a:rPr>
-              <a:t>API</a:t>
-            </a:r>
-            <a:r>
-              <a:rPr lang="ja-JP" altLang="en-US" sz="1400">
-                <a:solidFill>
-                  <a:schemeClr val="tx1"/>
-                </a:solidFill>
-              </a:rPr>
-              <a:t>によってラベル検出された画像の名称を表示します。</a:t>
+              <a:t>ラベル検出された画像の名称を表示します。</a:t>
             </a:r>
             <a:endParaRPr lang="en-US" altLang="ja-JP" sz="1400">
               <a:solidFill>
@@ -4582,6 +4579,37 @@
                 </a:solidFill>
               </a:rPr>
               <a:t>にダジャレを考えさせます。その結果をの領域にテキスト表示させます。</a:t>
+            </a:r>
+            <a:endParaRPr lang="en-US" altLang="ja-JP" sz="1400">
+              <a:solidFill>
+                <a:schemeClr val="tx1"/>
+              </a:solidFill>
+            </a:endParaRPr>
+          </a:p>
+          <a:p>
+            <a:r>
+              <a:rPr lang="ja-JP" altLang="en-US" sz="1400">
+                <a:solidFill>
+                  <a:schemeClr val="tx1"/>
+                </a:solidFill>
+              </a:rPr>
+              <a:t>（</a:t>
+            </a:r>
+            <a:r>
+              <a:rPr lang="en-US" altLang="ja-JP" sz="1400">
+                <a:solidFill>
+                  <a:schemeClr val="tx1"/>
+                </a:solidFill>
+              </a:rPr>
+              <a:t>Open AI </a:t>
+            </a:r>
+            <a:r>
+              <a:rPr lang="ja-JP" altLang="en-US" sz="1400">
+                <a:solidFill>
+                  <a:schemeClr val="tx1"/>
+                </a:solidFill>
+              </a:rPr>
+              <a:t>を利用）</a:t>
             </a:r>
           </a:p>
         </p:txBody>
